--- a/docs/diagrams/SortCommandSequenceDiagram.pptx
+++ b/docs/diagrams/SortCommandSequenceDiagram.pptx
@@ -208,7 +208,7 @@
           <a:p>
             <a:fld id="{F5CC4B3F-88C1-4FFA-B1B6-F41C21DC6924}" type="datetimeFigureOut">
               <a:rPr lang="en-US" smtClean="0"/>
-              <a:t>4/13/19</a:t>
+              <a:t>4/15/19</a:t>
             </a:fld>
             <a:endParaRPr lang="en-US"/>
           </a:p>
@@ -747,7 +747,7 @@
           <a:p>
             <a:fld id="{78C97017-6FC3-485B-9764-EAC9E56C1D49}" type="datetimeFigureOut">
               <a:rPr lang="en-US" smtClean="0"/>
-              <a:t>4/13/19</a:t>
+              <a:t>4/15/19</a:t>
             </a:fld>
             <a:endParaRPr lang="en-US"/>
           </a:p>
@@ -915,7 +915,7 @@
           <a:p>
             <a:fld id="{78C97017-6FC3-485B-9764-EAC9E56C1D49}" type="datetimeFigureOut">
               <a:rPr lang="en-US" smtClean="0"/>
-              <a:t>4/13/19</a:t>
+              <a:t>4/15/19</a:t>
             </a:fld>
             <a:endParaRPr lang="en-US"/>
           </a:p>
@@ -1093,7 +1093,7 @@
           <a:p>
             <a:fld id="{78C97017-6FC3-485B-9764-EAC9E56C1D49}" type="datetimeFigureOut">
               <a:rPr lang="en-US" smtClean="0"/>
-              <a:t>4/13/19</a:t>
+              <a:t>4/15/19</a:t>
             </a:fld>
             <a:endParaRPr lang="en-US"/>
           </a:p>
@@ -1261,7 +1261,7 @@
           <a:p>
             <a:fld id="{78C97017-6FC3-485B-9764-EAC9E56C1D49}" type="datetimeFigureOut">
               <a:rPr lang="en-US" smtClean="0"/>
-              <a:t>4/13/19</a:t>
+              <a:t>4/15/19</a:t>
             </a:fld>
             <a:endParaRPr lang="en-US"/>
           </a:p>
@@ -1506,7 +1506,7 @@
           <a:p>
             <a:fld id="{78C97017-6FC3-485B-9764-EAC9E56C1D49}" type="datetimeFigureOut">
               <a:rPr lang="en-US" smtClean="0"/>
-              <a:t>4/13/19</a:t>
+              <a:t>4/15/19</a:t>
             </a:fld>
             <a:endParaRPr lang="en-US"/>
           </a:p>
@@ -1791,7 +1791,7 @@
           <a:p>
             <a:fld id="{78C97017-6FC3-485B-9764-EAC9E56C1D49}" type="datetimeFigureOut">
               <a:rPr lang="en-US" smtClean="0"/>
-              <a:t>4/13/19</a:t>
+              <a:t>4/15/19</a:t>
             </a:fld>
             <a:endParaRPr lang="en-US"/>
           </a:p>
@@ -2210,7 +2210,7 @@
           <a:p>
             <a:fld id="{78C97017-6FC3-485B-9764-EAC9E56C1D49}" type="datetimeFigureOut">
               <a:rPr lang="en-US" smtClean="0"/>
-              <a:t>4/13/19</a:t>
+              <a:t>4/15/19</a:t>
             </a:fld>
             <a:endParaRPr lang="en-US"/>
           </a:p>
@@ -2327,7 +2327,7 @@
           <a:p>
             <a:fld id="{78C97017-6FC3-485B-9764-EAC9E56C1D49}" type="datetimeFigureOut">
               <a:rPr lang="en-US" smtClean="0"/>
-              <a:t>4/13/19</a:t>
+              <a:t>4/15/19</a:t>
             </a:fld>
             <a:endParaRPr lang="en-US"/>
           </a:p>
@@ -2422,7 +2422,7 @@
           <a:p>
             <a:fld id="{78C97017-6FC3-485B-9764-EAC9E56C1D49}" type="datetimeFigureOut">
               <a:rPr lang="en-US" smtClean="0"/>
-              <a:t>4/13/19</a:t>
+              <a:t>4/15/19</a:t>
             </a:fld>
             <a:endParaRPr lang="en-US"/>
           </a:p>
@@ -2697,7 +2697,7 @@
           <a:p>
             <a:fld id="{78C97017-6FC3-485B-9764-EAC9E56C1D49}" type="datetimeFigureOut">
               <a:rPr lang="en-US" smtClean="0"/>
-              <a:t>4/13/19</a:t>
+              <a:t>4/15/19</a:t>
             </a:fld>
             <a:endParaRPr lang="en-US"/>
           </a:p>
@@ -2949,7 +2949,7 @@
           <a:p>
             <a:fld id="{78C97017-6FC3-485B-9764-EAC9E56C1D49}" type="datetimeFigureOut">
               <a:rPr lang="en-US" smtClean="0"/>
-              <a:t>4/13/19</a:t>
+              <a:t>4/15/19</a:t>
             </a:fld>
             <a:endParaRPr lang="en-US"/>
           </a:p>
@@ -3160,7 +3160,7 @@
           <a:p>
             <a:fld id="{78C97017-6FC3-485B-9764-EAC9E56C1D49}" type="datetimeFigureOut">
               <a:rPr lang="en-US" smtClean="0"/>
-              <a:t>4/13/19</a:t>
+              <a:t>4/15/19</a:t>
             </a:fld>
             <a:endParaRPr lang="en-US"/>
           </a:p>
@@ -3875,7 +3875,7 @@
         <p:spPr>
           <a:xfrm>
             <a:off x="3365603" y="907619"/>
-            <a:ext cx="4193" cy="2289129"/>
+            <a:ext cx="26106" cy="2856539"/>
           </a:xfrm>
           <a:prstGeom prst="line">
             <a:avLst/>
@@ -3911,8 +3911,8 @@
         </p:nvSpPr>
         <p:spPr>
           <a:xfrm>
-            <a:off x="3293594" y="1365811"/>
-            <a:ext cx="152400" cy="1830937"/>
+            <a:off x="3293593" y="1365811"/>
+            <a:ext cx="196232" cy="2398347"/>
           </a:xfrm>
           <a:prstGeom prst="rect">
             <a:avLst/>
@@ -4165,7 +4165,7 @@
         </p:nvSpPr>
         <p:spPr>
           <a:xfrm>
-            <a:off x="1811897" y="3696337"/>
+            <a:off x="3489825" y="4068819"/>
             <a:ext cx="855809" cy="215444"/>
           </a:xfrm>
           <a:prstGeom prst="rect">
@@ -4247,7 +4247,7 @@
         </p:nvCxnSpPr>
         <p:spPr>
           <a:xfrm>
-            <a:off x="1486715" y="3199607"/>
+            <a:off x="1382962" y="3764158"/>
             <a:ext cx="1867718" cy="0"/>
           </a:xfrm>
           <a:prstGeom prst="straightConnector1">
@@ -4520,7 +4520,7 @@
         </p:nvCxnSpPr>
         <p:spPr>
           <a:xfrm>
-            <a:off x="1365080" y="3914617"/>
+            <a:off x="1351137" y="4087656"/>
             <a:ext cx="6811373" cy="0"/>
           </a:xfrm>
           <a:prstGeom prst="straightConnector1">
@@ -5006,7 +5006,7 @@
         </p:nvCxnSpPr>
         <p:spPr>
           <a:xfrm>
-            <a:off x="3424123" y="3095621"/>
+            <a:off x="3424123" y="3756014"/>
             <a:ext cx="1492974" cy="0"/>
           </a:xfrm>
           <a:prstGeom prst="straightConnector1">
@@ -5718,10 +5718,10 @@
       </p:sp>
       <p:sp>
         <p:nvSpPr>
-          <p:cNvPr id="119" name="TextBox 118">
+          <p:cNvPr id="120" name="TextBox 119">
             <a:extLst>
               <a:ext uri="{FF2B5EF4-FFF2-40B4-BE49-F238E27FC236}">
-                <a16:creationId xmlns:a16="http://schemas.microsoft.com/office/drawing/2014/main" id="{1FA49385-1928-4215-A3FA-574956CC468B}"/>
+                <a16:creationId xmlns:a16="http://schemas.microsoft.com/office/drawing/2014/main" id="{92550B4F-7B72-41AE-8E74-1BA8BFA9192A}"/>
               </a:ext>
             </a:extLst>
           </p:cNvPr>
@@ -5730,8 +5730,8 @@
         </p:nvSpPr>
         <p:spPr>
           <a:xfrm>
-            <a:off x="1929896" y="2947253"/>
-            <a:ext cx="220343" cy="215444"/>
+            <a:off x="3119150" y="1969945"/>
+            <a:ext cx="1979855" cy="215444"/>
           </a:xfrm>
           <a:prstGeom prst="rect">
             <a:avLst/>
@@ -5755,19 +5755,28 @@
             </a:lvl1pPr>
           </a:lstStyle>
           <a:p>
+            <a:pPr algn="ctr"/>
             <a:r>
               <a:rPr lang="en-US" dirty="0"/>
-              <a:t>s</a:t>
-            </a:r>
-          </a:p>
-        </p:txBody>
-      </p:sp>
-      <p:sp>
-        <p:nvSpPr>
-          <p:cNvPr id="120" name="TextBox 119">
+              <a:t>parse(</a:t>
+            </a:r>
+            <a:r>
+              <a:rPr lang="en-US" dirty="0" err="1"/>
+              <a:t>args</a:t>
+            </a:r>
+            <a:r>
+              <a:rPr lang="en-US" dirty="0"/>
+              <a:t>)</a:t>
+            </a:r>
+          </a:p>
+        </p:txBody>
+      </p:sp>
+      <p:sp>
+        <p:nvSpPr>
+          <p:cNvPr id="121" name="TextBox 120">
             <a:extLst>
               <a:ext uri="{FF2B5EF4-FFF2-40B4-BE49-F238E27FC236}">
-                <a16:creationId xmlns:a16="http://schemas.microsoft.com/office/drawing/2014/main" id="{92550B4F-7B72-41AE-8E74-1BA8BFA9192A}"/>
+                <a16:creationId xmlns:a16="http://schemas.microsoft.com/office/drawing/2014/main" id="{FFBA4C7C-BC5C-4D7E-A4DE-BED451EA7430}"/>
               </a:ext>
             </a:extLst>
           </p:cNvPr>
@@ -5776,8 +5785,8 @@
         </p:nvSpPr>
         <p:spPr>
           <a:xfrm>
-            <a:off x="3119150" y="1969945"/>
-            <a:ext cx="1979855" cy="215444"/>
+            <a:off x="5116432" y="3061275"/>
+            <a:ext cx="2317969" cy="215444"/>
           </a:xfrm>
           <a:prstGeom prst="rect">
             <a:avLst/>
@@ -5803,26 +5812,22 @@
           <a:p>
             <a:pPr algn="ctr"/>
             <a:r>
+              <a:rPr lang="en-US" dirty="0" err="1"/>
+              <a:t>SortCommand</a:t>
+            </a:r>
+            <a:r>
               <a:rPr lang="en-US" dirty="0"/>
-              <a:t>parse(</a:t>
-            </a:r>
-            <a:r>
-              <a:rPr lang="en-US" dirty="0" err="1"/>
-              <a:t>args</a:t>
-            </a:r>
-            <a:r>
-              <a:rPr lang="en-US" dirty="0"/>
-              <a:t>)</a:t>
-            </a:r>
-          </a:p>
-        </p:txBody>
-      </p:sp>
-      <p:sp>
-        <p:nvSpPr>
-          <p:cNvPr id="121" name="TextBox 120">
+              <a:t>(comparator)</a:t>
+            </a:r>
+          </a:p>
+        </p:txBody>
+      </p:sp>
+      <p:sp>
+        <p:nvSpPr>
+          <p:cNvPr id="127" name="TextBox 126">
             <a:extLst>
               <a:ext uri="{FF2B5EF4-FFF2-40B4-BE49-F238E27FC236}">
-                <a16:creationId xmlns:a16="http://schemas.microsoft.com/office/drawing/2014/main" id="{FFBA4C7C-BC5C-4D7E-A4DE-BED451EA7430}"/>
+                <a16:creationId xmlns:a16="http://schemas.microsoft.com/office/drawing/2014/main" id="{55BB11ED-7107-4326-A5B5-C336F3572131}"/>
               </a:ext>
             </a:extLst>
           </p:cNvPr>
@@ -5831,8 +5836,8 @@
         </p:nvSpPr>
         <p:spPr>
           <a:xfrm>
-            <a:off x="5116432" y="3061275"/>
-            <a:ext cx="2317969" cy="215444"/>
+            <a:off x="8725717" y="3822397"/>
+            <a:ext cx="1132345" cy="369332"/>
           </a:xfrm>
           <a:prstGeom prst="rect">
             <a:avLst/>
@@ -5858,57 +5863,6 @@
           <a:p>
             <a:pPr algn="ctr"/>
             <a:r>
-              <a:rPr lang="en-US" dirty="0" err="1"/>
-              <a:t>SortCommand</a:t>
-            </a:r>
-            <a:r>
-              <a:rPr lang="en-US" dirty="0"/>
-              <a:t>(comparator)</a:t>
-            </a:r>
-          </a:p>
-        </p:txBody>
-      </p:sp>
-      <p:sp>
-        <p:nvSpPr>
-          <p:cNvPr id="127" name="TextBox 126">
-            <a:extLst>
-              <a:ext uri="{FF2B5EF4-FFF2-40B4-BE49-F238E27FC236}">
-                <a16:creationId xmlns:a16="http://schemas.microsoft.com/office/drawing/2014/main" id="{55BB11ED-7107-4326-A5B5-C336F3572131}"/>
-              </a:ext>
-            </a:extLst>
-          </p:cNvPr>
-          <p:cNvSpPr txBox="1"/>
-          <p:nvPr/>
-        </p:nvSpPr>
-        <p:spPr>
-          <a:xfrm>
-            <a:off x="8725717" y="3822397"/>
-            <a:ext cx="1132345" cy="369332"/>
-          </a:xfrm>
-          <a:prstGeom prst="rect">
-            <a:avLst/>
-          </a:prstGeom>
-          <a:noFill/>
-        </p:spPr>
-        <p:txBody>
-          <a:bodyPr wrap="square" lIns="0" tIns="0" rIns="0" bIns="0" rtlCol="0">
-            <a:spAutoFit/>
-          </a:bodyPr>
-          <a:lstStyle>
-            <a:defPPr>
-              <a:defRPr lang="en-US"/>
-            </a:defPPr>
-            <a:lvl1pPr algn="r">
-              <a:defRPr sz="1400">
-                <a:solidFill>
-                  <a:srgbClr val="0070C0"/>
-                </a:solidFill>
-              </a:defRPr>
-            </a:lvl1pPr>
-          </a:lstStyle>
-          <a:p>
-            <a:pPr algn="ctr"/>
-            <a:r>
               <a:rPr lang="en-US" sz="1200" dirty="0" err="1">
                 <a:solidFill>
                   <a:schemeClr val="accent4">
@@ -5916,27 +5870,7 @@
                   </a:schemeClr>
                 </a:solidFill>
               </a:rPr>
-              <a:t>sortEx</a:t>
-            </a:r>
-            <a:r>
-              <a:rPr lang="en-US" sz="1200" dirty="0">
-                <a:solidFill>
-                  <a:schemeClr val="accent4">
-                    <a:lumMod val="75000"/>
-                  </a:schemeClr>
-                </a:solidFill>
-              </a:rPr>
-              <a:t>[</a:t>
-            </a:r>
-            <a:r>
-              <a:rPr lang="en-US" sz="1200" dirty="0" err="1">
-                <a:solidFill>
-                  <a:schemeClr val="accent4">
-                    <a:lumMod val="75000"/>
-                  </a:schemeClr>
-                </a:solidFill>
-              </a:rPr>
-              <a:t>emses</a:t>
+              <a:t>sortExpenses</a:t>
             </a:r>
             <a:endParaRPr lang="en-US" sz="1200" dirty="0">
               <a:solidFill>
